--- a/Which techlolgy helps to sudy.pptx
+++ b/Which techlolgy helps to sudy.pptx
@@ -137,7 +137,7 @@
 <file path=ppt/revisionInfo.xml><?xml version="1.0" encoding="utf-8"?>
 <p1510:revInfo xmlns:a="http://schemas.openxmlformats.org/drawingml/2006/main" xmlns:r="http://schemas.openxmlformats.org/officeDocument/2006/relationships" xmlns:p1510="http://schemas.microsoft.com/office/powerpoint/2015/10/main">
   <p1510:revLst>
-    <p1510:client id="{31081A63-7B11-485D-91FC-16EC41C3A0E0}" v="1204" dt="2022-03-27T05:50:01.731"/>
+    <p1510:client id="{31081A63-7B11-485D-91FC-16EC41C3A0E0}" v="1227" dt="2022-03-28T05:59:32.797"/>
   </p1510:revLst>
 </p1510:revInfo>
 </file>
@@ -147,7 +147,7 @@
   <pc:docChgLst>
     <pc:chgData name="hwang junhwa" userId="c8ba5834b6a328d7" providerId="LiveId" clId="{31081A63-7B11-485D-91FC-16EC41C3A0E0}"/>
     <pc:docChg chg="undo custSel addSld delSld modSld sldOrd">
-      <pc:chgData name="hwang junhwa" userId="c8ba5834b6a328d7" providerId="LiveId" clId="{31081A63-7B11-485D-91FC-16EC41C3A0E0}" dt="2022-03-27T05:50:01.731" v="3189"/>
+      <pc:chgData name="hwang junhwa" userId="c8ba5834b6a328d7" providerId="LiveId" clId="{31081A63-7B11-485D-91FC-16EC41C3A0E0}" dt="2022-03-28T05:59:32.797" v="3215"/>
       <pc:docMkLst>
         <pc:docMk/>
       </pc:docMkLst>
@@ -685,7 +685,7 @@
         </pc:spChg>
       </pc:sldChg>
       <pc:sldChg chg="addSp delSp modSp new mod ord modTransition setBg modAnim">
-        <pc:chgData name="hwang junhwa" userId="c8ba5834b6a328d7" providerId="LiveId" clId="{31081A63-7B11-485D-91FC-16EC41C3A0E0}" dt="2022-03-27T03:03:44.824" v="1037"/>
+        <pc:chgData name="hwang junhwa" userId="c8ba5834b6a328d7" providerId="LiveId" clId="{31081A63-7B11-485D-91FC-16EC41C3A0E0}" dt="2022-03-28T05:52:52.695" v="3193" actId="12788"/>
         <pc:sldMkLst>
           <pc:docMk/>
           <pc:sldMk cId="167155236" sldId="264"/>
@@ -707,7 +707,7 @@
           </ac:spMkLst>
         </pc:spChg>
         <pc:spChg chg="add mod">
-          <ac:chgData name="hwang junhwa" userId="c8ba5834b6a328d7" providerId="LiveId" clId="{31081A63-7B11-485D-91FC-16EC41C3A0E0}" dt="2022-03-27T03:00:04.725" v="973" actId="12789"/>
+          <ac:chgData name="hwang junhwa" userId="c8ba5834b6a328d7" providerId="LiveId" clId="{31081A63-7B11-485D-91FC-16EC41C3A0E0}" dt="2022-03-28T05:52:52.695" v="3193" actId="12788"/>
           <ac:spMkLst>
             <pc:docMk/>
             <pc:sldMk cId="167155236" sldId="264"/>
@@ -1525,8 +1525,8 @@
           </ac:picMkLst>
         </pc:picChg>
       </pc:sldChg>
-      <pc:sldChg chg="addSp delSp modSp add mod setBg modAnim">
-        <pc:chgData name="hwang junhwa" userId="c8ba5834b6a328d7" providerId="LiveId" clId="{31081A63-7B11-485D-91FC-16EC41C3A0E0}" dt="2022-03-27T05:43:10.009" v="3074"/>
+      <pc:sldChg chg="addSp delSp modSp add mod modTransition setBg modAnim">
+        <pc:chgData name="hwang junhwa" userId="c8ba5834b6a328d7" providerId="LiveId" clId="{31081A63-7B11-485D-91FC-16EC41C3A0E0}" dt="2022-03-28T05:58:13.461" v="3206"/>
         <pc:sldMkLst>
           <pc:docMk/>
           <pc:sldMk cId="146780294" sldId="276"/>
@@ -1635,8 +1635,8 @@
           </ac:picMkLst>
         </pc:picChg>
       </pc:sldChg>
-      <pc:sldChg chg="addSp delSp modSp add mod modAnim">
-        <pc:chgData name="hwang junhwa" userId="c8ba5834b6a328d7" providerId="LiveId" clId="{31081A63-7B11-485D-91FC-16EC41C3A0E0}" dt="2022-03-27T05:45:24.046" v="3082" actId="1076"/>
+      <pc:sldChg chg="addSp delSp modSp add mod modTransition modAnim">
+        <pc:chgData name="hwang junhwa" userId="c8ba5834b6a328d7" providerId="LiveId" clId="{31081A63-7B11-485D-91FC-16EC41C3A0E0}" dt="2022-03-28T05:55:56.987" v="3195"/>
         <pc:sldMkLst>
           <pc:docMk/>
           <pc:sldMk cId="1437052874" sldId="278"/>
@@ -1879,8 +1879,8 @@
           </ac:picMkLst>
         </pc:picChg>
       </pc:sldChg>
-      <pc:sldChg chg="delSp add mod setBg delAnim">
-        <pc:chgData name="hwang junhwa" userId="c8ba5834b6a328d7" providerId="LiveId" clId="{31081A63-7B11-485D-91FC-16EC41C3A0E0}" dt="2022-03-27T05:47:03.414" v="3187"/>
+      <pc:sldChg chg="delSp add mod modTransition setBg delAnim">
+        <pc:chgData name="hwang junhwa" userId="c8ba5834b6a328d7" providerId="LiveId" clId="{31081A63-7B11-485D-91FC-16EC41C3A0E0}" dt="2022-03-28T05:59:32.797" v="3215"/>
         <pc:sldMkLst>
           <pc:docMk/>
           <pc:sldMk cId="2770317810" sldId="280"/>
@@ -2078,7 +2078,7 @@
           <a:p>
             <a:fld id="{5CC5CF22-2E60-45D9-9A5A-4689FBA28BD9}" type="datetimeFigureOut">
               <a:rPr lang="ko-KR" altLang="en-US" smtClean="0"/>
-              <a:t>2022-03-27</a:t>
+              <a:t>2022-03-28</a:t>
             </a:fld>
             <a:endParaRPr lang="ko-KR" altLang="en-US"/>
           </a:p>
@@ -2276,7 +2276,7 @@
           <a:p>
             <a:fld id="{5CC5CF22-2E60-45D9-9A5A-4689FBA28BD9}" type="datetimeFigureOut">
               <a:rPr lang="ko-KR" altLang="en-US" smtClean="0"/>
-              <a:t>2022-03-27</a:t>
+              <a:t>2022-03-28</a:t>
             </a:fld>
             <a:endParaRPr lang="ko-KR" altLang="en-US"/>
           </a:p>
@@ -2484,7 +2484,7 @@
           <a:p>
             <a:fld id="{5CC5CF22-2E60-45D9-9A5A-4689FBA28BD9}" type="datetimeFigureOut">
               <a:rPr lang="ko-KR" altLang="en-US" smtClean="0"/>
-              <a:t>2022-03-27</a:t>
+              <a:t>2022-03-28</a:t>
             </a:fld>
             <a:endParaRPr lang="ko-KR" altLang="en-US"/>
           </a:p>
@@ -2682,7 +2682,7 @@
           <a:p>
             <a:fld id="{5CC5CF22-2E60-45D9-9A5A-4689FBA28BD9}" type="datetimeFigureOut">
               <a:rPr lang="ko-KR" altLang="en-US" smtClean="0"/>
-              <a:t>2022-03-27</a:t>
+              <a:t>2022-03-28</a:t>
             </a:fld>
             <a:endParaRPr lang="ko-KR" altLang="en-US"/>
           </a:p>
@@ -2957,7 +2957,7 @@
           <a:p>
             <a:fld id="{5CC5CF22-2E60-45D9-9A5A-4689FBA28BD9}" type="datetimeFigureOut">
               <a:rPr lang="ko-KR" altLang="en-US" smtClean="0"/>
-              <a:t>2022-03-27</a:t>
+              <a:t>2022-03-28</a:t>
             </a:fld>
             <a:endParaRPr lang="ko-KR" altLang="en-US"/>
           </a:p>
@@ -3222,7 +3222,7 @@
           <a:p>
             <a:fld id="{5CC5CF22-2E60-45D9-9A5A-4689FBA28BD9}" type="datetimeFigureOut">
               <a:rPr lang="ko-KR" altLang="en-US" smtClean="0"/>
-              <a:t>2022-03-27</a:t>
+              <a:t>2022-03-28</a:t>
             </a:fld>
             <a:endParaRPr lang="ko-KR" altLang="en-US"/>
           </a:p>
@@ -3634,7 +3634,7 @@
           <a:p>
             <a:fld id="{5CC5CF22-2E60-45D9-9A5A-4689FBA28BD9}" type="datetimeFigureOut">
               <a:rPr lang="ko-KR" altLang="en-US" smtClean="0"/>
-              <a:t>2022-03-27</a:t>
+              <a:t>2022-03-28</a:t>
             </a:fld>
             <a:endParaRPr lang="ko-KR" altLang="en-US"/>
           </a:p>
@@ -3775,7 +3775,7 @@
           <a:p>
             <a:fld id="{5CC5CF22-2E60-45D9-9A5A-4689FBA28BD9}" type="datetimeFigureOut">
               <a:rPr lang="ko-KR" altLang="en-US" smtClean="0"/>
-              <a:t>2022-03-27</a:t>
+              <a:t>2022-03-28</a:t>
             </a:fld>
             <a:endParaRPr lang="ko-KR" altLang="en-US"/>
           </a:p>
@@ -3888,7 +3888,7 @@
           <a:p>
             <a:fld id="{5CC5CF22-2E60-45D9-9A5A-4689FBA28BD9}" type="datetimeFigureOut">
               <a:rPr lang="ko-KR" altLang="en-US" smtClean="0"/>
-              <a:t>2022-03-27</a:t>
+              <a:t>2022-03-28</a:t>
             </a:fld>
             <a:endParaRPr lang="ko-KR" altLang="en-US"/>
           </a:p>
@@ -4199,7 +4199,7 @@
           <a:p>
             <a:fld id="{5CC5CF22-2E60-45D9-9A5A-4689FBA28BD9}" type="datetimeFigureOut">
               <a:rPr lang="ko-KR" altLang="en-US" smtClean="0"/>
-              <a:t>2022-03-27</a:t>
+              <a:t>2022-03-28</a:t>
             </a:fld>
             <a:endParaRPr lang="ko-KR" altLang="en-US"/>
           </a:p>
@@ -4487,7 +4487,7 @@
           <a:p>
             <a:fld id="{5CC5CF22-2E60-45D9-9A5A-4689FBA28BD9}" type="datetimeFigureOut">
               <a:rPr lang="ko-KR" altLang="en-US" smtClean="0"/>
-              <a:t>2022-03-27</a:t>
+              <a:t>2022-03-28</a:t>
             </a:fld>
             <a:endParaRPr lang="ko-KR" altLang="en-US"/>
           </a:p>
@@ -4728,7 +4728,7 @@
           <a:p>
             <a:fld id="{5CC5CF22-2E60-45D9-9A5A-4689FBA28BD9}" type="datetimeFigureOut">
               <a:rPr lang="ko-KR" altLang="en-US" smtClean="0"/>
-              <a:t>2022-03-27</a:t>
+              <a:t>2022-03-28</a:t>
             </a:fld>
             <a:endParaRPr lang="ko-KR" altLang="en-US"/>
           </a:p>
@@ -5402,13 +5402,13 @@
   <p:clrMapOvr>
     <a:masterClrMapping/>
   </p:clrMapOvr>
-  <mc:AlternateContent xmlns:mc="http://schemas.openxmlformats.org/markup-compatibility/2006">
-    <mc:Choice xmlns:p159="http://schemas.microsoft.com/office/powerpoint/2015/09/main" Requires="p159">
+  <mc:AlternateContent xmlns:mc="http://schemas.openxmlformats.org/markup-compatibility/2006" xmlns:p159="http://schemas.microsoft.com/office/powerpoint/2015/09/main">
+    <mc:Choice Requires="p159">
       <p:transition xmlns:p14="http://schemas.microsoft.com/office/powerpoint/2010/main" spd="slow" p14:dur="2000" advClick="0" advTm="0">
         <p159:morph option="byObject"/>
       </p:transition>
     </mc:Choice>
-    <mc:Fallback>
+    <mc:Fallback xmlns="">
       <p:transition spd="slow" advClick="0" advTm="0">
         <p:fade/>
       </p:transition>
@@ -5979,13 +5979,13 @@
   <p:clrMapOvr>
     <a:masterClrMapping/>
   </p:clrMapOvr>
-  <mc:AlternateContent xmlns:mc="http://schemas.openxmlformats.org/markup-compatibility/2006">
-    <mc:Choice xmlns:p159="http://schemas.microsoft.com/office/powerpoint/2015/09/main" Requires="p159">
+  <mc:AlternateContent xmlns:mc="http://schemas.openxmlformats.org/markup-compatibility/2006" xmlns:p159="http://schemas.microsoft.com/office/powerpoint/2015/09/main">
+    <mc:Choice Requires="p159">
       <p:transition xmlns:p14="http://schemas.microsoft.com/office/powerpoint/2010/main" spd="slow" p14:dur="2000" advClick="0" advTm="3000">
         <p159:morph option="byObject"/>
       </p:transition>
     </mc:Choice>
-    <mc:Fallback>
+    <mc:Fallback xmlns="">
       <p:transition spd="slow" advClick="0" advTm="3000">
         <p:fade/>
       </p:transition>
@@ -6494,13 +6494,13 @@
   <p:clrMapOvr>
     <a:masterClrMapping/>
   </p:clrMapOvr>
-  <mc:AlternateContent xmlns:mc="http://schemas.openxmlformats.org/markup-compatibility/2006">
-    <mc:Choice xmlns:p159="http://schemas.microsoft.com/office/powerpoint/2015/09/main" Requires="p159">
+  <mc:AlternateContent xmlns:mc="http://schemas.openxmlformats.org/markup-compatibility/2006" xmlns:p159="http://schemas.microsoft.com/office/powerpoint/2015/09/main">
+    <mc:Choice Requires="p159">
       <p:transition xmlns:p14="http://schemas.microsoft.com/office/powerpoint/2010/main" spd="slow" p14:dur="2000" advClick="0" advTm="3000">
         <p159:morph option="byObject"/>
       </p:transition>
     </mc:Choice>
-    <mc:Fallback>
+    <mc:Fallback xmlns="">
       <p:transition spd="slow" advClick="0" advTm="3000">
         <p:fade/>
       </p:transition>
@@ -6842,13 +6842,13 @@
   <p:clrMapOvr>
     <a:masterClrMapping/>
   </p:clrMapOvr>
-  <mc:AlternateContent xmlns:mc="http://schemas.openxmlformats.org/markup-compatibility/2006">
-    <mc:Choice xmlns:p159="http://schemas.microsoft.com/office/powerpoint/2015/09/main" Requires="p159">
+  <mc:AlternateContent xmlns:mc="http://schemas.openxmlformats.org/markup-compatibility/2006" xmlns:p159="http://schemas.microsoft.com/office/powerpoint/2015/09/main">
+    <mc:Choice Requires="p159">
       <p:transition xmlns:p14="http://schemas.microsoft.com/office/powerpoint/2010/main" spd="slow" p14:dur="2000" advClick="0" advTm="3000">
         <p159:morph option="byObject"/>
       </p:transition>
     </mc:Choice>
-    <mc:Fallback>
+    <mc:Fallback xmlns="">
       <p:transition spd="slow" advClick="0" advTm="3000">
         <p:fade/>
       </p:transition>
@@ -7211,13 +7211,13 @@
   <p:clrMapOvr>
     <a:masterClrMapping/>
   </p:clrMapOvr>
-  <mc:AlternateContent xmlns:mc="http://schemas.openxmlformats.org/markup-compatibility/2006">
-    <mc:Choice xmlns:p159="http://schemas.microsoft.com/office/powerpoint/2015/09/main" Requires="p159">
+  <mc:AlternateContent xmlns:mc="http://schemas.openxmlformats.org/markup-compatibility/2006" xmlns:p159="http://schemas.microsoft.com/office/powerpoint/2015/09/main">
+    <mc:Choice Requires="p159">
       <p:transition xmlns:p14="http://schemas.microsoft.com/office/powerpoint/2010/main" spd="slow" p14:dur="2000" advClick="0" advTm="3000">
         <p159:morph option="byObject"/>
       </p:transition>
     </mc:Choice>
-    <mc:Fallback>
+    <mc:Fallback xmlns="">
       <p:transition spd="slow" advClick="0" advTm="3000">
         <p:fade/>
       </p:transition>
@@ -7556,13 +7556,13 @@
   <p:clrMapOvr>
     <a:masterClrMapping/>
   </p:clrMapOvr>
-  <mc:AlternateContent xmlns:mc="http://schemas.openxmlformats.org/markup-compatibility/2006">
-    <mc:Choice xmlns:p159="http://schemas.microsoft.com/office/powerpoint/2015/09/main" Requires="p159">
+  <mc:AlternateContent xmlns:mc="http://schemas.openxmlformats.org/markup-compatibility/2006" xmlns:p159="http://schemas.microsoft.com/office/powerpoint/2015/09/main">
+    <mc:Choice Requires="p159">
       <p:transition xmlns:p14="http://schemas.microsoft.com/office/powerpoint/2010/main" spd="slow" p14:dur="2000" advClick="0" advTm="2000">
         <p159:morph option="byObject"/>
       </p:transition>
     </mc:Choice>
-    <mc:Fallback>
+    <mc:Fallback xmlns="">
       <p:transition spd="slow" advClick="0" advTm="2000">
         <p:fade/>
       </p:transition>
@@ -7693,13 +7693,13 @@
   <p:clrMapOvr>
     <a:masterClrMapping/>
   </p:clrMapOvr>
-  <mc:AlternateContent xmlns:mc="http://schemas.openxmlformats.org/markup-compatibility/2006">
-    <mc:Choice xmlns:p159="http://schemas.microsoft.com/office/powerpoint/2015/09/main" Requires="p159">
+  <mc:AlternateContent xmlns:mc="http://schemas.openxmlformats.org/markup-compatibility/2006" xmlns:p159="http://schemas.microsoft.com/office/powerpoint/2015/09/main">
+    <mc:Choice Requires="p159">
       <p:transition xmlns:p14="http://schemas.microsoft.com/office/powerpoint/2010/main" spd="slow" p14:dur="2000" advClick="0" advTm="3000">
         <p159:morph option="byObject"/>
       </p:transition>
     </mc:Choice>
-    <mc:Fallback>
+    <mc:Fallback xmlns="">
       <p:transition spd="slow" advClick="0" advTm="3000">
         <p:fade/>
       </p:transition>
@@ -8131,13 +8131,13 @@
   <p:clrMapOvr>
     <a:masterClrMapping/>
   </p:clrMapOvr>
-  <mc:AlternateContent xmlns:mc="http://schemas.openxmlformats.org/markup-compatibility/2006">
-    <mc:Choice xmlns:p159="http://schemas.microsoft.com/office/powerpoint/2015/09/main" Requires="p159">
+  <mc:AlternateContent xmlns:mc="http://schemas.openxmlformats.org/markup-compatibility/2006" xmlns:p159="http://schemas.microsoft.com/office/powerpoint/2015/09/main">
+    <mc:Choice Requires="p159">
       <p:transition xmlns:p14="http://schemas.microsoft.com/office/powerpoint/2010/main" spd="slow" p14:dur="2000" advClick="0" advTm="0">
         <p159:morph option="byObject"/>
       </p:transition>
     </mc:Choice>
-    <mc:Fallback>
+    <mc:Fallback xmlns="">
       <p:transition spd="slow" advClick="0" advTm="0">
         <p:fade/>
       </p:transition>
@@ -8782,13 +8782,13 @@
   <p:clrMapOvr>
     <a:masterClrMapping/>
   </p:clrMapOvr>
-  <mc:AlternateContent xmlns:mc="http://schemas.openxmlformats.org/markup-compatibility/2006">
-    <mc:Choice xmlns:p159="http://schemas.microsoft.com/office/powerpoint/2015/09/main" Requires="p159">
+  <mc:AlternateContent xmlns:mc="http://schemas.openxmlformats.org/markup-compatibility/2006" xmlns:p159="http://schemas.microsoft.com/office/powerpoint/2015/09/main">
+    <mc:Choice Requires="p159">
       <p:transition xmlns:p14="http://schemas.microsoft.com/office/powerpoint/2010/main" spd="slow" p14:dur="2000" advClick="0" advTm="3000">
         <p159:morph option="byObject"/>
       </p:transition>
     </mc:Choice>
-    <mc:Fallback>
+    <mc:Fallback xmlns="">
       <p:transition spd="slow" advClick="0" advTm="3000">
         <p:fade/>
       </p:transition>
@@ -9052,14 +9052,14 @@
   <p:clrMapOvr>
     <a:masterClrMapping/>
   </p:clrMapOvr>
-  <mc:AlternateContent xmlns:mc="http://schemas.openxmlformats.org/markup-compatibility/2006">
-    <mc:Choice xmlns:p159="http://schemas.microsoft.com/office/powerpoint/2015/09/main" Requires="p159">
-      <p:transition xmlns:p14="http://schemas.microsoft.com/office/powerpoint/2010/main" spd="slow" p14:dur="2000">
+  <mc:AlternateContent xmlns:mc="http://schemas.openxmlformats.org/markup-compatibility/2006" xmlns:p159="http://schemas.microsoft.com/office/powerpoint/2015/09/main">
+    <mc:Choice Requires="p159">
+      <p:transition xmlns:p14="http://schemas.microsoft.com/office/powerpoint/2010/main" spd="slow" p14:dur="2000" advClick="0" advTm="7000">
         <p159:morph option="byObject"/>
       </p:transition>
     </mc:Choice>
-    <mc:Fallback>
-      <p:transition spd="slow">
+    <mc:Fallback xmlns="">
+      <p:transition spd="slow" advClick="0" advTm="7000">
         <p:fade/>
       </p:transition>
     </mc:Fallback>
@@ -9289,8 +9289,8 @@
         </p:nvSpPr>
         <p:spPr>
           <a:xfrm>
-            <a:off x="4505960" y="3136613"/>
-            <a:ext cx="3180080" cy="584775"/>
+            <a:off x="5374722" y="3136612"/>
+            <a:ext cx="1442556" cy="584775"/>
           </a:xfrm>
           <a:prstGeom prst="rect">
             <a:avLst/>
@@ -9309,7 +9309,7 @@
                   <a:schemeClr val="bg1"/>
                 </a:solidFill>
               </a:rPr>
-              <a:t>SM1-2’s present</a:t>
+              <a:t>SM1-2</a:t>
             </a:r>
             <a:endParaRPr lang="ko-KR" altLang="en-US" sz="3200" dirty="0">
               <a:solidFill>
@@ -9329,11 +9329,11 @@
   <p:clrMapOvr>
     <a:masterClrMapping/>
   </p:clrMapOvr>
-  <mc:AlternateContent xmlns:mc="http://schemas.openxmlformats.org/markup-compatibility/2006">
-    <mc:Choice xmlns:p14="http://schemas.microsoft.com/office/powerpoint/2010/main" Requires="p14">
+  <mc:AlternateContent xmlns:mc="http://schemas.openxmlformats.org/markup-compatibility/2006" xmlns:p14="http://schemas.microsoft.com/office/powerpoint/2010/main">
+    <mc:Choice Requires="p14">
       <p:transition spd="slow" p14:dur="2000" advClick="0" advTm="0"/>
     </mc:Choice>
-    <mc:Fallback>
+    <mc:Fallback xmlns="">
       <p:transition spd="slow" advClick="0" advTm="0"/>
     </mc:Fallback>
   </mc:AlternateContent>
@@ -9548,13 +9548,13 @@
   <p:clrMapOvr>
     <a:masterClrMapping/>
   </p:clrMapOvr>
-  <mc:AlternateContent xmlns:mc="http://schemas.openxmlformats.org/markup-compatibility/2006">
-    <mc:Choice xmlns:p159="http://schemas.microsoft.com/office/powerpoint/2015/09/main" Requires="p159">
+  <mc:AlternateContent xmlns:mc="http://schemas.openxmlformats.org/markup-compatibility/2006" xmlns:p159="http://schemas.microsoft.com/office/powerpoint/2015/09/main">
+    <mc:Choice Requires="p159">
       <p:transition xmlns:p14="http://schemas.microsoft.com/office/powerpoint/2010/main" spd="slow" p14:dur="2000" advClick="0" advTm="3000">
         <p159:morph option="byObject"/>
       </p:transition>
     </mc:Choice>
-    <mc:Fallback>
+    <mc:Fallback xmlns="">
       <p:transition spd="slow" advClick="0" advTm="3000">
         <p:fade/>
       </p:transition>
@@ -9837,14 +9837,14 @@
   <p:clrMapOvr>
     <a:masterClrMapping/>
   </p:clrMapOvr>
-  <mc:AlternateContent xmlns:mc="http://schemas.openxmlformats.org/markup-compatibility/2006">
-    <mc:Choice xmlns:p159="http://schemas.microsoft.com/office/powerpoint/2015/09/main" Requires="p159">
-      <p:transition xmlns:p14="http://schemas.microsoft.com/office/powerpoint/2010/main" spd="slow" p14:dur="2000">
+  <mc:AlternateContent xmlns:mc="http://schemas.openxmlformats.org/markup-compatibility/2006" xmlns:p159="http://schemas.microsoft.com/office/powerpoint/2015/09/main">
+    <mc:Choice Requires="p159">
+      <p:transition xmlns:p14="http://schemas.microsoft.com/office/powerpoint/2010/main" spd="slow" p14:dur="2000" advClick="0" advTm="0">
         <p159:morph option="byObject"/>
       </p:transition>
     </mc:Choice>
-    <mc:Fallback>
-      <p:transition spd="slow">
+    <mc:Fallback xmlns="">
+      <p:transition spd="slow" advClick="0" advTm="0">
         <p:fade/>
       </p:transition>
     </mc:Fallback>
@@ -10204,13 +10204,13 @@
   <p:clrMapOvr>
     <a:masterClrMapping/>
   </p:clrMapOvr>
-  <mc:AlternateContent xmlns:mc="http://schemas.openxmlformats.org/markup-compatibility/2006">
-    <mc:Choice xmlns:p159="http://schemas.microsoft.com/office/powerpoint/2015/09/main" Requires="p159">
+  <mc:AlternateContent xmlns:mc="http://schemas.openxmlformats.org/markup-compatibility/2006" xmlns:p159="http://schemas.microsoft.com/office/powerpoint/2015/09/main">
+    <mc:Choice Requires="p159">
       <p:transition xmlns:p14="http://schemas.microsoft.com/office/powerpoint/2010/main" spd="slow" p14:dur="2000" advClick="0" advTm="0">
         <p159:morph option="byObject"/>
       </p:transition>
     </mc:Choice>
-    <mc:Fallback>
+    <mc:Fallback xmlns="">
       <p:transition spd="slow" advClick="0" advTm="0">
         <p:fade/>
       </p:transition>
@@ -10343,13 +10343,13 @@
   <p:clrMapOvr>
     <a:masterClrMapping/>
   </p:clrMapOvr>
-  <mc:AlternateContent xmlns:mc="http://schemas.openxmlformats.org/markup-compatibility/2006">
-    <mc:Choice xmlns:p159="http://schemas.microsoft.com/office/powerpoint/2015/09/main" Requires="p159">
-      <p:transition xmlns:p14="http://schemas.microsoft.com/office/powerpoint/2010/main" spd="slow" p14:dur="2000">
-        <p159:morph option="byObject"/>
+  <mc:AlternateContent xmlns:mc="http://schemas.openxmlformats.org/markup-compatibility/2006" xmlns:p14="http://schemas.microsoft.com/office/powerpoint/2010/main">
+    <mc:Choice Requires="p14">
+      <p:transition spd="slow" p14:dur="2000">
+        <p:fade/>
       </p:transition>
     </mc:Choice>
-    <mc:Fallback>
+    <mc:Fallback xmlns="">
       <p:transition spd="slow">
         <p:fade/>
       </p:transition>
@@ -10489,13 +10489,13 @@
   <p:clrMapOvr>
     <a:masterClrMapping/>
   </p:clrMapOvr>
-  <mc:AlternateContent xmlns:mc="http://schemas.openxmlformats.org/markup-compatibility/2006">
-    <mc:Choice xmlns:p159="http://schemas.microsoft.com/office/powerpoint/2015/09/main" Requires="p159">
+  <mc:AlternateContent xmlns:mc="http://schemas.openxmlformats.org/markup-compatibility/2006" xmlns:p159="http://schemas.microsoft.com/office/powerpoint/2015/09/main">
+    <mc:Choice Requires="p159">
       <p:transition xmlns:p14="http://schemas.microsoft.com/office/powerpoint/2010/main" spd="slow" p14:dur="2000" advClick="0" advTm="0">
         <p159:morph option="byObject"/>
       </p:transition>
     </mc:Choice>
-    <mc:Fallback>
+    <mc:Fallback xmlns="">
       <p:transition spd="slow" advClick="0" advTm="0">
         <p:fade/>
       </p:transition>
@@ -10795,13 +10795,13 @@
   <p:clrMapOvr>
     <a:masterClrMapping/>
   </p:clrMapOvr>
-  <mc:AlternateContent xmlns:mc="http://schemas.openxmlformats.org/markup-compatibility/2006">
-    <mc:Choice xmlns:p14="http://schemas.microsoft.com/office/powerpoint/2010/main" Requires="p14">
+  <mc:AlternateContent xmlns:mc="http://schemas.openxmlformats.org/markup-compatibility/2006" xmlns:p14="http://schemas.microsoft.com/office/powerpoint/2010/main">
+    <mc:Choice Requires="p14">
       <p:transition spd="slow" p14:dur="2000">
         <p:fade/>
       </p:transition>
     </mc:Choice>
-    <mc:Fallback>
+    <mc:Fallback xmlns="">
       <p:transition spd="slow">
         <p:fade/>
       </p:transition>
@@ -10967,11 +10967,11 @@
   <p:clrMapOvr>
     <a:masterClrMapping/>
   </p:clrMapOvr>
-  <mc:AlternateContent xmlns:mc="http://schemas.openxmlformats.org/markup-compatibility/2006">
-    <mc:Choice xmlns:p14="http://schemas.microsoft.com/office/powerpoint/2010/main" Requires="p14">
+  <mc:AlternateContent xmlns:mc="http://schemas.openxmlformats.org/markup-compatibility/2006" xmlns:p14="http://schemas.microsoft.com/office/powerpoint/2010/main">
+    <mc:Choice Requires="p14">
       <p:transition spd="slow" p14:dur="2000" advClick="0" advTm="0"/>
     </mc:Choice>
-    <mc:Fallback>
+    <mc:Fallback xmlns="">
       <p:transition spd="slow" advClick="0" advTm="0"/>
     </mc:Fallback>
   </mc:AlternateContent>
@@ -11175,13 +11175,13 @@
   <p:clrMapOvr>
     <a:masterClrMapping/>
   </p:clrMapOvr>
-  <mc:AlternateContent xmlns:mc="http://schemas.openxmlformats.org/markup-compatibility/2006">
-    <mc:Choice xmlns:p159="http://schemas.microsoft.com/office/powerpoint/2015/09/main" Requires="p159">
+  <mc:AlternateContent xmlns:mc="http://schemas.openxmlformats.org/markup-compatibility/2006" xmlns:p159="http://schemas.microsoft.com/office/powerpoint/2015/09/main">
+    <mc:Choice Requires="p159">
       <p:transition xmlns:p14="http://schemas.microsoft.com/office/powerpoint/2010/main" spd="slow" p14:dur="2000" advClick="0" advTm="0">
         <p159:morph option="byObject"/>
       </p:transition>
     </mc:Choice>
-    <mc:Fallback>
+    <mc:Fallback xmlns="">
       <p:transition spd="slow" advClick="0" advTm="0">
         <p:fade/>
       </p:transition>
@@ -11426,13 +11426,13 @@
   <p:clrMapOvr>
     <a:masterClrMapping/>
   </p:clrMapOvr>
-  <mc:AlternateContent xmlns:mc="http://schemas.openxmlformats.org/markup-compatibility/2006">
-    <mc:Choice xmlns:p159="http://schemas.microsoft.com/office/powerpoint/2015/09/main" Requires="p159">
+  <mc:AlternateContent xmlns:mc="http://schemas.openxmlformats.org/markup-compatibility/2006" xmlns:p159="http://schemas.microsoft.com/office/powerpoint/2015/09/main">
+    <mc:Choice Requires="p159">
       <p:transition xmlns:p14="http://schemas.microsoft.com/office/powerpoint/2010/main" spd="slow" p14:dur="2000" advClick="0" advTm="0">
         <p159:morph option="byObject"/>
       </p:transition>
     </mc:Choice>
-    <mc:Fallback>
+    <mc:Fallback xmlns="">
       <p:transition spd="slow" advClick="0" advTm="0">
         <p:fade/>
       </p:transition>
@@ -11677,13 +11677,13 @@
   <p:clrMapOvr>
     <a:masterClrMapping/>
   </p:clrMapOvr>
-  <mc:AlternateContent xmlns:mc="http://schemas.openxmlformats.org/markup-compatibility/2006">
-    <mc:Choice xmlns:p159="http://schemas.microsoft.com/office/powerpoint/2015/09/main" Requires="p159">
+  <mc:AlternateContent xmlns:mc="http://schemas.openxmlformats.org/markup-compatibility/2006" xmlns:p159="http://schemas.microsoft.com/office/powerpoint/2015/09/main">
+    <mc:Choice Requires="p159">
       <p:transition xmlns:p14="http://schemas.microsoft.com/office/powerpoint/2010/main" spd="slow" p14:dur="2000" advClick="0" advTm="0">
         <p159:morph option="byObject"/>
       </p:transition>
     </mc:Choice>
-    <mc:Fallback>
+    <mc:Fallback xmlns="">
       <p:transition spd="slow" advClick="0" advTm="0">
         <p:fade/>
       </p:transition>
@@ -12045,13 +12045,13 @@
   <p:clrMapOvr>
     <a:masterClrMapping/>
   </p:clrMapOvr>
-  <mc:AlternateContent xmlns:mc="http://schemas.openxmlformats.org/markup-compatibility/2006">
-    <mc:Choice xmlns:p159="http://schemas.microsoft.com/office/powerpoint/2015/09/main" Requires="p159">
+  <mc:AlternateContent xmlns:mc="http://schemas.openxmlformats.org/markup-compatibility/2006" xmlns:p159="http://schemas.microsoft.com/office/powerpoint/2015/09/main">
+    <mc:Choice Requires="p159">
       <p:transition xmlns:p14="http://schemas.microsoft.com/office/powerpoint/2010/main" spd="slow" p14:dur="2000" advClick="0" advTm="0">
         <p159:morph option="byObject"/>
       </p:transition>
     </mc:Choice>
-    <mc:Fallback>
+    <mc:Fallback xmlns="">
       <p:transition spd="slow" advClick="0" advTm="0">
         <p:fade/>
       </p:transition>
